--- a/database/MySQL/DTCC2019Share/DTCC2019_Share_V0.2.pptx
+++ b/database/MySQL/DTCC2019Share/DTCC2019_Share_V0.2.pptx
@@ -117,7 +117,7 @@
   </p:defaultTextStyle>
   <p:extLst>
     <p:ext uri="{EFAFB233-063F-42B5-8137-9DF3F51BA10A}">
-      <p15:sldGuideLst xmlns="" xmlns:p15="http://schemas.microsoft.com/office/powerpoint/2012/main">
+      <p15:sldGuideLst xmlns:p15="http://schemas.microsoft.com/office/powerpoint/2012/main" xmlns="">
         <p15:guide id="1" orient="horz" pos="1620">
           <p15:clr>
             <a:srgbClr val="A4A3A4"/>
@@ -217,7 +217,7 @@
             <a:fld id="{C76C803C-317E-463E-B4A5-F68314124287}" type="datetimeFigureOut">
               <a:rPr lang="zh-CN" altLang="en-US" smtClean="0"/>
               <a:pPr/>
-              <a:t>19/6/5</a:t>
+              <a:t>19/6/10</a:t>
             </a:fld>
             <a:endParaRPr lang="zh-CN" altLang="en-US"/>
           </a:p>
@@ -3479,19 +3479,8 @@
                 <a:latin typeface="微软雅黑" panose="020B0503020204020204" pitchFamily="34" charset="-122"/>
                 <a:ea typeface="微软雅黑" panose="020B0503020204020204" pitchFamily="34" charset="-122"/>
               </a:rPr>
-              <a:t>2019.0</a:t>
-            </a:r>
-            <a:r>
-              <a:rPr lang="en-US" altLang="zh-CN" sz="1600" dirty="0" smtClean="0">
-                <a:latin typeface="微软雅黑" panose="020B0503020204020204" pitchFamily="34" charset="-122"/>
-                <a:ea typeface="微软雅黑" panose="020B0503020204020204" pitchFamily="34" charset="-122"/>
-              </a:rPr>
-              <a:t>6</a:t>
-            </a:r>
-            <a:endParaRPr lang="en-US" altLang="zh-CN" sz="1600" dirty="0" smtClean="0">
-              <a:latin typeface="微软雅黑" panose="020B0503020204020204" pitchFamily="34" charset="-122"/>
-              <a:ea typeface="微软雅黑" panose="020B0503020204020204" pitchFamily="34" charset="-122"/>
-            </a:endParaRPr>
+              <a:t>2019.06</a:t>
+            </a:r>
           </a:p>
         </p:txBody>
       </p:sp>
@@ -3591,31 +3580,7 @@
                 <a:ea typeface="微软雅黑"/>
                 <a:cs typeface="微软雅黑"/>
               </a:rPr>
-              <a:t>云数据库的未来</a:t>
-            </a:r>
-            <a:r>
-              <a:rPr kumimoji="1" lang="en-US" altLang="zh-CN" dirty="0">
-                <a:latin typeface="微软雅黑"/>
-                <a:ea typeface="微软雅黑"/>
-                <a:cs typeface="微软雅黑"/>
-              </a:rPr>
-              <a:t>—</a:t>
-            </a:r>
-            <a:r>
-              <a:rPr kumimoji="1" lang="en-US" altLang="zh-CN" dirty="0" smtClean="0">
-                <a:latin typeface="微软雅黑"/>
-                <a:ea typeface="微软雅黑"/>
-                <a:cs typeface="微软雅黑"/>
-              </a:rPr>
-              <a:t>—</a:t>
-            </a:r>
-            <a:r>
-              <a:rPr kumimoji="1" lang="zh-CN" altLang="en-US" dirty="0" smtClean="0">
-                <a:latin typeface="微软雅黑"/>
-                <a:ea typeface="微软雅黑"/>
-                <a:cs typeface="微软雅黑"/>
-              </a:rPr>
-              <a:t>计算存储分离</a:t>
+              <a:t>云数据库</a:t>
             </a:r>
             <a:endParaRPr kumimoji="1" lang="en-US" altLang="zh-CN" dirty="0" smtClean="0">
               <a:latin typeface="微软雅黑"/>
@@ -3678,27 +3643,20 @@
           </a:p>
           <a:p>
             <a:r>
-              <a:rPr kumimoji="1" lang="zh-CN" altLang="en-US" dirty="0" smtClean="0">
+              <a:rPr kumimoji="1" lang="zh-CN" altLang="en-US" smtClean="0">
                 <a:latin typeface="微软雅黑"/>
                 <a:ea typeface="微软雅黑"/>
                 <a:cs typeface="微软雅黑"/>
               </a:rPr>
-              <a:t>硬件</a:t>
-            </a:r>
-            <a:endParaRPr kumimoji="1" lang="en-US" altLang="zh-CN" dirty="0" smtClean="0">
-              <a:latin typeface="微软雅黑"/>
-              <a:ea typeface="微软雅黑"/>
-              <a:cs typeface="微软雅黑"/>
-            </a:endParaRPr>
-          </a:p>
-          <a:p>
-            <a:r>
-              <a:rPr kumimoji="1" lang="en-US" altLang="zh-CN" dirty="0" err="1" smtClean="0">
+              <a:t>硬</a:t>
+            </a:r>
+            <a:r>
+              <a:rPr kumimoji="1" lang="zh-CN" altLang="en-US" smtClean="0">
                 <a:latin typeface="微软雅黑"/>
                 <a:ea typeface="微软雅黑"/>
                 <a:cs typeface="微软雅黑"/>
               </a:rPr>
-              <a:t>MyRocks</a:t>
+              <a:t>件</a:t>
             </a:r>
             <a:endParaRPr kumimoji="1" lang="en-US" altLang="zh-CN" dirty="0" smtClean="0">
               <a:latin typeface="微软雅黑"/>
